--- a/img/template.pptx
+++ b/img/template.pptx
@@ -117,6 +117,35 @@
     </p:ext>
   </p:extLst>
 </p:presentation>
+</file>
+
+<file path=ppt/changesInfos/changesInfo1.xml><?xml version="1.0" encoding="utf-8"?>
+<pc:chgInfo xmlns:a="http://schemas.openxmlformats.org/drawingml/2006/main" xmlns:r="http://schemas.openxmlformats.org/officeDocument/2006/relationships" xmlns:ac="http://schemas.microsoft.com/office/drawing/2013/main/command" xmlns:pc="http://schemas.microsoft.com/office/powerpoint/2013/main/command">
+  <pc:docChgLst>
+    <pc:chgData name="濱田 知憲" userId="ce1988ba-f4aa-4c2b-9108-9af111d0b0a3" providerId="ADAL" clId="{0A93849D-71A1-4152-AAB5-B8FC7CC0C2C7}"/>
+    <pc:docChg chg="modSld">
+      <pc:chgData name="濱田 知憲" userId="ce1988ba-f4aa-4c2b-9108-9af111d0b0a3" providerId="ADAL" clId="{0A93849D-71A1-4152-AAB5-B8FC7CC0C2C7}" dt="2020-11-26T00:56:11.127" v="15" actId="20577"/>
+      <pc:docMkLst>
+        <pc:docMk/>
+      </pc:docMkLst>
+      <pc:sldChg chg="modSp mod">
+        <pc:chgData name="濱田 知憲" userId="ce1988ba-f4aa-4c2b-9108-9af111d0b0a3" providerId="ADAL" clId="{0A93849D-71A1-4152-AAB5-B8FC7CC0C2C7}" dt="2020-11-26T00:56:11.127" v="15" actId="20577"/>
+        <pc:sldMkLst>
+          <pc:docMk/>
+          <pc:sldMk cId="3485151880" sldId="264"/>
+        </pc:sldMkLst>
+        <pc:spChg chg="mod">
+          <ac:chgData name="濱田 知憲" userId="ce1988ba-f4aa-4c2b-9108-9af111d0b0a3" providerId="ADAL" clId="{0A93849D-71A1-4152-AAB5-B8FC7CC0C2C7}" dt="2020-11-26T00:56:11.127" v="15" actId="20577"/>
+          <ac:spMkLst>
+            <pc:docMk/>
+            <pc:sldMk cId="3485151880" sldId="264"/>
+            <ac:spMk id="4" creationId="{32E015C4-C8C6-3449-B9F4-8ADD6202FBD8}"/>
+          </ac:spMkLst>
+        </pc:spChg>
+      </pc:sldChg>
+    </pc:docChg>
+  </pc:docChgLst>
+</pc:chgInfo>
 </file>
 
 <file path=ppt/notesMasters/notesMaster1.xml><?xml version="1.0" encoding="utf-8"?>
@@ -2925,8 +2954,8 @@
         </p:nvSpPr>
         <p:spPr>
           <a:xfrm>
-            <a:off x="-1370417" y="2361028"/>
-            <a:ext cx="13419058" cy="1323439"/>
+            <a:off x="156233" y="2436566"/>
+            <a:ext cx="4108817" cy="923330"/>
           </a:xfrm>
           <a:prstGeom prst="rect">
             <a:avLst/>
@@ -2940,7 +2969,7 @@
           <a:lstStyle/>
           <a:p>
             <a:r>
-              <a:rPr kumimoji="1" lang="en-US" altLang="ja-JP" sz="4000" b="1" dirty="0">
+              <a:rPr kumimoji="1" lang="en-US" altLang="ja-JP" b="1" dirty="0">
                 <a:ln w="12700">
                   <a:solidFill>
                     <a:schemeClr val="bg1"/>
@@ -2952,26 +2981,35 @@
           </a:p>
           <a:p>
             <a:r>
-              <a:rPr lang="en-US" altLang="ja-JP" sz="4000" b="1" dirty="0">
+              <a:rPr lang="ja-JP" altLang="en-US" b="1" dirty="0">
                 <a:ln w="12700">
                   <a:solidFill>
                     <a:schemeClr val="bg1"/>
                   </a:solidFill>
                 </a:ln>
               </a:rPr>
-              <a:t>	</a:t>
-            </a:r>
-            <a:r>
-              <a:rPr lang="ja-JP" altLang="en-US" sz="4000" b="1" dirty="0">
+              <a:t>　社内システム・社内インフラ全般を</a:t>
+            </a:r>
+            <a:endParaRPr lang="en-US" altLang="ja-JP" b="1" dirty="0">
+              <a:ln w="12700">
+                <a:solidFill>
+                  <a:schemeClr val="bg1"/>
+                </a:solidFill>
+              </a:ln>
+            </a:endParaRPr>
+          </a:p>
+          <a:p>
+            <a:r>
+              <a:rPr lang="ja-JP" altLang="en-US" b="1" dirty="0">
                 <a:ln w="12700">
                   <a:solidFill>
                     <a:schemeClr val="bg1"/>
                   </a:solidFill>
                 </a:ln>
               </a:rPr>
-              <a:t>社内システム・社内インフラ全般を担当しています。</a:t>
-            </a:r>
-            <a:endParaRPr kumimoji="1" lang="ja-JP" altLang="en-US" sz="4000" b="1" dirty="0">
+              <a:t>　担当しています。</a:t>
+            </a:r>
+            <a:endParaRPr kumimoji="1" lang="ja-JP" altLang="en-US" b="1" dirty="0">
               <a:ln w="12700">
                 <a:solidFill>
                   <a:schemeClr val="bg1"/>
